--- a/huarui.study2/file/二阶段设计文档.pptx
+++ b/huarui.study2/file/二阶段设计文档.pptx
@@ -8,8 +8,9 @@
     <p:sldId id="256" r:id="rId2"/>
     <p:sldId id="257" r:id="rId3"/>
     <p:sldId id="258" r:id="rId4"/>
-    <p:sldId id="259" r:id="rId5"/>
-    <p:sldId id="260" r:id="rId6"/>
+    <p:sldId id="261" r:id="rId5"/>
+    <p:sldId id="259" r:id="rId6"/>
+    <p:sldId id="260" r:id="rId7"/>
   </p:sldIdLst>
   <p:sldSz cx="12192000" cy="6858000"/>
   <p:notesSz cx="6858000" cy="9144000"/>
@@ -108,6 +109,11 @@
       </a:defRPr>
     </a:lvl9pPr>
   </p:defaultTextStyle>
+  <p:extLst>
+    <p:ext uri="{EFAFB233-063F-42B5-8137-9DF3F51BA10A}">
+      <p15:sldGuideLst xmlns:p15="http://schemas.microsoft.com/office/powerpoint/2012/main"/>
+    </p:ext>
+  </p:extLst>
 </p:presentation>
 </file>
 
@@ -4970,7 +4976,7 @@
           <a:p>
             <a:fld id="{301073D1-7EE8-4BFD-B498-B86CAB0F8287}" type="datetimeFigureOut">
               <a:rPr lang="zh-CN" altLang="en-US" smtClean="0"/>
-              <a:t>2017/7/6</a:t>
+              <a:t>2017/7/7</a:t>
             </a:fld>
             <a:endParaRPr lang="zh-CN" altLang="en-US"/>
           </a:p>
@@ -5168,7 +5174,7 @@
           <a:p>
             <a:fld id="{301073D1-7EE8-4BFD-B498-B86CAB0F8287}" type="datetimeFigureOut">
               <a:rPr lang="zh-CN" altLang="en-US" smtClean="0"/>
-              <a:t>2017/7/6</a:t>
+              <a:t>2017/7/7</a:t>
             </a:fld>
             <a:endParaRPr lang="zh-CN" altLang="en-US"/>
           </a:p>
@@ -5376,7 +5382,7 @@
           <a:p>
             <a:fld id="{301073D1-7EE8-4BFD-B498-B86CAB0F8287}" type="datetimeFigureOut">
               <a:rPr lang="zh-CN" altLang="en-US" smtClean="0"/>
-              <a:t>2017/7/6</a:t>
+              <a:t>2017/7/7</a:t>
             </a:fld>
             <a:endParaRPr lang="zh-CN" altLang="en-US"/>
           </a:p>
@@ -5574,7 +5580,7 @@
           <a:p>
             <a:fld id="{301073D1-7EE8-4BFD-B498-B86CAB0F8287}" type="datetimeFigureOut">
               <a:rPr lang="zh-CN" altLang="en-US" smtClean="0"/>
-              <a:t>2017/7/6</a:t>
+              <a:t>2017/7/7</a:t>
             </a:fld>
             <a:endParaRPr lang="zh-CN" altLang="en-US"/>
           </a:p>
@@ -5849,7 +5855,7 @@
           <a:p>
             <a:fld id="{301073D1-7EE8-4BFD-B498-B86CAB0F8287}" type="datetimeFigureOut">
               <a:rPr lang="zh-CN" altLang="en-US" smtClean="0"/>
-              <a:t>2017/7/6</a:t>
+              <a:t>2017/7/7</a:t>
             </a:fld>
             <a:endParaRPr lang="zh-CN" altLang="en-US"/>
           </a:p>
@@ -6114,7 +6120,7 @@
           <a:p>
             <a:fld id="{301073D1-7EE8-4BFD-B498-B86CAB0F8287}" type="datetimeFigureOut">
               <a:rPr lang="zh-CN" altLang="en-US" smtClean="0"/>
-              <a:t>2017/7/6</a:t>
+              <a:t>2017/7/7</a:t>
             </a:fld>
             <a:endParaRPr lang="zh-CN" altLang="en-US"/>
           </a:p>
@@ -6526,7 +6532,7 @@
           <a:p>
             <a:fld id="{301073D1-7EE8-4BFD-B498-B86CAB0F8287}" type="datetimeFigureOut">
               <a:rPr lang="zh-CN" altLang="en-US" smtClean="0"/>
-              <a:t>2017/7/6</a:t>
+              <a:t>2017/7/7</a:t>
             </a:fld>
             <a:endParaRPr lang="zh-CN" altLang="en-US"/>
           </a:p>
@@ -6667,7 +6673,7 @@
           <a:p>
             <a:fld id="{301073D1-7EE8-4BFD-B498-B86CAB0F8287}" type="datetimeFigureOut">
               <a:rPr lang="zh-CN" altLang="en-US" smtClean="0"/>
-              <a:t>2017/7/6</a:t>
+              <a:t>2017/7/7</a:t>
             </a:fld>
             <a:endParaRPr lang="zh-CN" altLang="en-US"/>
           </a:p>
@@ -6780,7 +6786,7 @@
           <a:p>
             <a:fld id="{301073D1-7EE8-4BFD-B498-B86CAB0F8287}" type="datetimeFigureOut">
               <a:rPr lang="zh-CN" altLang="en-US" smtClean="0"/>
-              <a:t>2017/7/6</a:t>
+              <a:t>2017/7/7</a:t>
             </a:fld>
             <a:endParaRPr lang="zh-CN" altLang="en-US"/>
           </a:p>
@@ -7091,7 +7097,7 @@
           <a:p>
             <a:fld id="{301073D1-7EE8-4BFD-B498-B86CAB0F8287}" type="datetimeFigureOut">
               <a:rPr lang="zh-CN" altLang="en-US" smtClean="0"/>
-              <a:t>2017/7/6</a:t>
+              <a:t>2017/7/7</a:t>
             </a:fld>
             <a:endParaRPr lang="zh-CN" altLang="en-US"/>
           </a:p>
@@ -7379,7 +7385,7 @@
           <a:p>
             <a:fld id="{301073D1-7EE8-4BFD-B498-B86CAB0F8287}" type="datetimeFigureOut">
               <a:rPr lang="zh-CN" altLang="en-US" smtClean="0"/>
-              <a:t>2017/7/6</a:t>
+              <a:t>2017/7/7</a:t>
             </a:fld>
             <a:endParaRPr lang="zh-CN" altLang="en-US"/>
           </a:p>
@@ -7620,7 +7626,7 @@
           <a:p>
             <a:fld id="{301073D1-7EE8-4BFD-B498-B86CAB0F8287}" type="datetimeFigureOut">
               <a:rPr lang="zh-CN" altLang="en-US" smtClean="0"/>
-              <a:t>2017/7/6</a:t>
+              <a:t>2017/7/7</a:t>
             </a:fld>
             <a:endParaRPr lang="zh-CN" altLang="en-US"/>
           </a:p>
@@ -8173,15 +8179,22 @@
           <a:p>
             <a:r>
               <a:rPr lang="zh-CN" altLang="en-US" dirty="0"/>
-              <a:t>通过本地搭建服务器，实现简单的</a:t>
+              <a:t>通过本地搭建服务器，实现一个简单的</a:t>
             </a:r>
             <a:r>
               <a:rPr lang="en-US" altLang="zh-CN" dirty="0"/>
-              <a:t>b/s</a:t>
+              <a:t>web</a:t>
             </a:r>
             <a:r>
               <a:rPr lang="zh-CN" altLang="en-US" dirty="0"/>
-              <a:t>结构的文件管理系统，能够简单的实现文件上传、下载以及在线浏览文件的功能</a:t>
+              <a:t>容器，能够处理一个文件管理系统的响应和请求。</a:t>
+            </a:r>
+            <a:endParaRPr lang="en-US" altLang="zh-CN" dirty="0"/>
+          </a:p>
+          <a:p>
+            <a:r>
+              <a:rPr lang="zh-CN" altLang="en-US" dirty="0"/>
+              <a:t>实现一个文件管理系统，能有基本的文件上传，下载浏览，以及显示目录结构的功能。</a:t>
             </a:r>
           </a:p>
         </p:txBody>
@@ -8284,7 +8297,19 @@
             </a:r>
             <a:r>
               <a:rPr lang="zh-CN" altLang="en-US" dirty="0"/>
-              <a:t>在客户端实现文件目录树形结构展现，并实现文件下载功能；</a:t>
+              <a:t>在同一局域网内，可以通过主机</a:t>
+            </a:r>
+            <a:r>
+              <a:rPr lang="en-US" altLang="zh-CN" dirty="0" err="1"/>
+              <a:t>ip</a:t>
+            </a:r>
+            <a:r>
+              <a:rPr lang="en-US" altLang="zh-CN" dirty="0"/>
+              <a:t>+</a:t>
+            </a:r>
+            <a:r>
+              <a:rPr lang="zh-CN" altLang="en-US" dirty="0"/>
+              <a:t>端口访问页面；</a:t>
             </a:r>
             <a:endParaRPr lang="en-US" altLang="zh-CN" dirty="0"/>
           </a:p>
@@ -8295,7 +8320,29 @@
             </a:r>
             <a:r>
               <a:rPr lang="zh-CN" altLang="en-US" dirty="0"/>
-              <a:t>当文件为文本文档时，点击可以直接阅读文档；</a:t>
+              <a:t>在客户端实现文件目录以树形结构展现；</a:t>
+            </a:r>
+            <a:endParaRPr lang="en-US" altLang="zh-CN" dirty="0"/>
+          </a:p>
+          <a:p>
+            <a:r>
+              <a:rPr lang="en-US" altLang="zh-CN" dirty="0"/>
+              <a:t>4.</a:t>
+            </a:r>
+            <a:r>
+              <a:rPr lang="zh-CN" altLang="en-US" dirty="0"/>
+              <a:t>实现点击文件名字时，实现下载功能；</a:t>
+            </a:r>
+            <a:endParaRPr lang="en-US" altLang="zh-CN" dirty="0"/>
+          </a:p>
+          <a:p>
+            <a:r>
+              <a:rPr lang="en-US" altLang="zh-CN" dirty="0"/>
+              <a:t>5.</a:t>
+            </a:r>
+            <a:r>
+              <a:rPr lang="zh-CN" altLang="en-US" dirty="0"/>
+              <a:t>当文件为文本文档时，点击可以直接阅读并编辑保存文档。</a:t>
             </a:r>
             <a:endParaRPr lang="en-US" altLang="zh-CN" dirty="0"/>
           </a:p>
@@ -8318,6 +8365,142 @@
 </file>
 
 <file path=ppt/slides/slide4.xml><?xml version="1.0" encoding="utf-8"?>
+<p:sld xmlns:a="http://schemas.openxmlformats.org/drawingml/2006/main" xmlns:r="http://schemas.openxmlformats.org/officeDocument/2006/relationships" xmlns:p="http://schemas.openxmlformats.org/presentationml/2006/main">
+  <p:cSld>
+    <p:spTree>
+      <p:nvGrpSpPr>
+        <p:cNvPr id="1" name=""/>
+        <p:cNvGrpSpPr/>
+        <p:nvPr/>
+      </p:nvGrpSpPr>
+      <p:grpSpPr>
+        <a:xfrm>
+          <a:off x="0" y="0"/>
+          <a:ext cx="0" cy="0"/>
+          <a:chOff x="0" y="0"/>
+          <a:chExt cx="0" cy="0"/>
+        </a:xfrm>
+      </p:grpSpPr>
+      <p:sp>
+        <p:nvSpPr>
+          <p:cNvPr id="2" name="标题 1">
+            <a:extLst>
+              <a:ext uri="{FF2B5EF4-FFF2-40B4-BE49-F238E27FC236}">
+                <a16:creationId xmlns:a16="http://schemas.microsoft.com/office/drawing/2014/main" id="{76F3C0DC-5280-4362-9586-3BC7BD64F744}"/>
+              </a:ext>
+            </a:extLst>
+          </p:cNvPr>
+          <p:cNvSpPr>
+            <a:spLocks noGrp="1"/>
+          </p:cNvSpPr>
+          <p:nvPr>
+            <p:ph type="title"/>
+          </p:nvPr>
+        </p:nvSpPr>
+        <p:spPr/>
+        <p:txBody>
+          <a:bodyPr>
+            <a:normAutofit/>
+          </a:bodyPr>
+          <a:lstStyle/>
+          <a:p>
+            <a:r>
+              <a:rPr lang="zh-CN" altLang="en-US" sz="3200" dirty="0"/>
+              <a:t>可能用到的技术</a:t>
+            </a:r>
+          </a:p>
+        </p:txBody>
+      </p:sp>
+      <p:sp>
+        <p:nvSpPr>
+          <p:cNvPr id="3" name="内容占位符 2">
+            <a:extLst>
+              <a:ext uri="{FF2B5EF4-FFF2-40B4-BE49-F238E27FC236}">
+                <a16:creationId xmlns:a16="http://schemas.microsoft.com/office/drawing/2014/main" id="{AB5C259A-212A-4313-BCB5-E68AF5936A7C}"/>
+              </a:ext>
+            </a:extLst>
+          </p:cNvPr>
+          <p:cNvSpPr>
+            <a:spLocks noGrp="1"/>
+          </p:cNvSpPr>
+          <p:nvPr>
+            <p:ph idx="1"/>
+          </p:nvPr>
+        </p:nvSpPr>
+        <p:spPr/>
+        <p:txBody>
+          <a:bodyPr/>
+          <a:lstStyle/>
+          <a:p>
+            <a:r>
+              <a:rPr lang="en-US" altLang="zh-CN" dirty="0"/>
+              <a:t>Http</a:t>
+            </a:r>
+            <a:r>
+              <a:rPr lang="zh-CN" altLang="en-US" dirty="0"/>
+              <a:t>协议，关于头部的处理</a:t>
+            </a:r>
+            <a:endParaRPr lang="en-US" altLang="zh-CN" dirty="0"/>
+          </a:p>
+          <a:p>
+            <a:r>
+              <a:rPr lang="en-US" altLang="zh-CN" dirty="0"/>
+              <a:t>Socket</a:t>
+            </a:r>
+            <a:r>
+              <a:rPr lang="zh-CN" altLang="en-US" dirty="0"/>
+              <a:t>，搭建简单的服务器</a:t>
+            </a:r>
+            <a:endParaRPr lang="en-US" altLang="zh-CN" dirty="0"/>
+          </a:p>
+          <a:p>
+            <a:r>
+              <a:rPr lang="zh-CN" altLang="en-US" dirty="0"/>
+              <a:t>多线程编程技术</a:t>
+            </a:r>
+            <a:endParaRPr lang="en-US" altLang="zh-CN" dirty="0"/>
+          </a:p>
+          <a:p>
+            <a:r>
+              <a:rPr lang="en-US" altLang="zh-CN" dirty="0" err="1"/>
+              <a:t>Html+css+js</a:t>
+            </a:r>
+            <a:r>
+              <a:rPr lang="zh-CN" altLang="en-US" dirty="0"/>
+              <a:t>，对页面进行布局，以及数据处理</a:t>
+            </a:r>
+            <a:endParaRPr lang="en-US" altLang="zh-CN" dirty="0"/>
+          </a:p>
+          <a:p>
+            <a:r>
+              <a:rPr lang="en-US" altLang="zh-CN" dirty="0" err="1"/>
+              <a:t>Json</a:t>
+            </a:r>
+            <a:r>
+              <a:rPr lang="zh-CN" altLang="en-US" dirty="0"/>
+              <a:t>，前后台交互</a:t>
+            </a:r>
+            <a:endParaRPr lang="en-US" altLang="zh-CN" dirty="0"/>
+          </a:p>
+          <a:p>
+            <a:endParaRPr lang="zh-CN" altLang="en-US" dirty="0"/>
+          </a:p>
+        </p:txBody>
+      </p:sp>
+    </p:spTree>
+    <p:extLst>
+      <p:ext uri="{BB962C8B-B14F-4D97-AF65-F5344CB8AC3E}">
+        <p14:creationId xmlns:p14="http://schemas.microsoft.com/office/powerpoint/2010/main" val="179619878"/>
+      </p:ext>
+    </p:extLst>
+  </p:cSld>
+  <p:clrMapOvr>
+    <a:masterClrMapping/>
+  </p:clrMapOvr>
+</p:sld>
+</file>
+
+<file path=ppt/slides/slide5.xml><?xml version="1.0" encoding="utf-8"?>
 <p:sld xmlns:a="http://schemas.openxmlformats.org/drawingml/2006/main" xmlns:r="http://schemas.openxmlformats.org/officeDocument/2006/relationships" xmlns:p="http://schemas.openxmlformats.org/presentationml/2006/main">
   <p:cSld>
     <p:spTree>
@@ -8408,7 +8591,7 @@
 </p:sld>
 </file>
 
-<file path=ppt/slides/slide5.xml><?xml version="1.0" encoding="utf-8"?>
+<file path=ppt/slides/slide6.xml><?xml version="1.0" encoding="utf-8"?>
 <p:sld xmlns:a="http://schemas.openxmlformats.org/drawingml/2006/main" xmlns:r="http://schemas.openxmlformats.org/officeDocument/2006/relationships" xmlns:p="http://schemas.openxmlformats.org/presentationml/2006/main">
   <p:cSld>
     <p:spTree>
@@ -8660,6 +8843,27 @@
               </a:rPr>
               <a:t>文件管理系统，当前主位置：</a:t>
             </a:r>
+            <a:r>
+              <a:rPr lang="en-US" altLang="zh-CN" sz="2000" dirty="0">
+                <a:solidFill>
+                  <a:schemeClr val="tx1"/>
+                </a:solidFill>
+              </a:rPr>
+              <a:t>D</a:t>
+            </a:r>
+            <a:r>
+              <a:rPr lang="zh-CN" altLang="en-US" sz="2000">
+                <a:solidFill>
+                  <a:schemeClr val="tx1"/>
+                </a:solidFill>
+              </a:rPr>
+              <a:t>：</a:t>
+            </a:r>
+            <a:endParaRPr lang="zh-CN" altLang="en-US" sz="2000" dirty="0">
+              <a:solidFill>
+                <a:schemeClr val="tx1"/>
+              </a:solidFill>
+            </a:endParaRPr>
           </a:p>
         </p:txBody>
       </p:sp>

--- a/huarui.study2/file/二阶段设计文档.pptx
+++ b/huarui.study2/file/二阶段设计文档.pptx
@@ -11,6 +11,8 @@
     <p:sldId id="261" r:id="rId5"/>
     <p:sldId id="259" r:id="rId6"/>
     <p:sldId id="260" r:id="rId7"/>
+    <p:sldId id="262" r:id="rId8"/>
+    <p:sldId id="263" r:id="rId9"/>
   </p:sldIdLst>
   <p:sldSz cx="12192000" cy="6858000"/>
   <p:notesSz cx="6858000" cy="9144000"/>
@@ -9309,6 +9311,1483 @@
 </p:sld>
 </file>
 
+<file path=ppt/slides/slide7.xml><?xml version="1.0" encoding="utf-8"?>
+<p:sld xmlns:a="http://schemas.openxmlformats.org/drawingml/2006/main" xmlns:r="http://schemas.openxmlformats.org/officeDocument/2006/relationships" xmlns:p="http://schemas.openxmlformats.org/presentationml/2006/main">
+  <p:cSld>
+    <p:spTree>
+      <p:nvGrpSpPr>
+        <p:cNvPr id="1" name=""/>
+        <p:cNvGrpSpPr/>
+        <p:nvPr/>
+      </p:nvGrpSpPr>
+      <p:grpSpPr>
+        <a:xfrm>
+          <a:off x="0" y="0"/>
+          <a:ext cx="0" cy="0"/>
+          <a:chOff x="0" y="0"/>
+          <a:chExt cx="0" cy="0"/>
+        </a:xfrm>
+      </p:grpSpPr>
+      <p:sp>
+        <p:nvSpPr>
+          <p:cNvPr id="2" name="标题 1">
+            <a:extLst>
+              <a:ext uri="{FF2B5EF4-FFF2-40B4-BE49-F238E27FC236}">
+                <a16:creationId xmlns:a16="http://schemas.microsoft.com/office/drawing/2014/main" id="{3D350115-A0DA-426C-979A-A3FE402811B5}"/>
+              </a:ext>
+            </a:extLst>
+          </p:cNvPr>
+          <p:cNvSpPr>
+            <a:spLocks noGrp="1"/>
+          </p:cNvSpPr>
+          <p:nvPr>
+            <p:ph type="title"/>
+          </p:nvPr>
+        </p:nvSpPr>
+        <p:spPr/>
+        <p:txBody>
+          <a:bodyPr>
+            <a:normAutofit/>
+          </a:bodyPr>
+          <a:lstStyle/>
+          <a:p>
+            <a:r>
+              <a:rPr lang="zh-CN" altLang="en-US" sz="3200" dirty="0"/>
+              <a:t>系统详细设计</a:t>
+            </a:r>
+          </a:p>
+        </p:txBody>
+      </p:sp>
+      <p:sp>
+        <p:nvSpPr>
+          <p:cNvPr id="3" name="内容占位符 2">
+            <a:extLst>
+              <a:ext uri="{FF2B5EF4-FFF2-40B4-BE49-F238E27FC236}">
+                <a16:creationId xmlns:a16="http://schemas.microsoft.com/office/drawing/2014/main" id="{6CDC318E-CE51-48CA-84DD-25058018C7A2}"/>
+              </a:ext>
+            </a:extLst>
+          </p:cNvPr>
+          <p:cNvSpPr>
+            <a:spLocks noGrp="1"/>
+          </p:cNvSpPr>
+          <p:nvPr>
+            <p:ph idx="1"/>
+          </p:nvPr>
+        </p:nvSpPr>
+        <p:spPr>
+          <a:xfrm>
+            <a:off x="838200" y="1825625"/>
+            <a:ext cx="10515600" cy="4351338"/>
+          </a:xfrm>
+        </p:spPr>
+        <p:txBody>
+          <a:bodyPr/>
+          <a:lstStyle/>
+          <a:p>
+            <a:pPr marL="0" indent="0">
+              <a:buNone/>
+            </a:pPr>
+            <a:r>
+              <a:rPr lang="zh-CN" altLang="en-US" dirty="0"/>
+              <a:t>页面初始展示：</a:t>
+            </a:r>
+            <a:endParaRPr lang="en-US" altLang="zh-CN" dirty="0"/>
+          </a:p>
+          <a:p>
+            <a:pPr marL="0" indent="0">
+              <a:buNone/>
+            </a:pPr>
+            <a:endParaRPr lang="en-US" altLang="zh-CN" dirty="0"/>
+          </a:p>
+          <a:p>
+            <a:pPr marL="0" indent="0">
+              <a:buNone/>
+            </a:pPr>
+            <a:endParaRPr lang="en-US" altLang="zh-CN" dirty="0"/>
+          </a:p>
+          <a:p>
+            <a:pPr marL="0" indent="0">
+              <a:buNone/>
+            </a:pPr>
+            <a:endParaRPr lang="en-US" altLang="zh-CN" dirty="0"/>
+          </a:p>
+          <a:p>
+            <a:pPr marL="0" indent="0">
+              <a:buNone/>
+            </a:pPr>
+            <a:r>
+              <a:rPr lang="zh-CN" altLang="en-US" dirty="0"/>
+              <a:t>文档阅读：</a:t>
+            </a:r>
+            <a:endParaRPr lang="en-US" altLang="zh-CN" dirty="0"/>
+          </a:p>
+          <a:p>
+            <a:pPr marL="0" indent="0">
+              <a:buNone/>
+            </a:pPr>
+            <a:endParaRPr lang="en-US" altLang="zh-CN" dirty="0"/>
+          </a:p>
+          <a:p>
+            <a:pPr marL="0" indent="0">
+              <a:buNone/>
+            </a:pPr>
+            <a:endParaRPr lang="zh-CN" altLang="en-US" dirty="0"/>
+          </a:p>
+        </p:txBody>
+      </p:sp>
+      <p:sp>
+        <p:nvSpPr>
+          <p:cNvPr id="33" name="矩形: 圆角 32">
+            <a:extLst>
+              <a:ext uri="{FF2B5EF4-FFF2-40B4-BE49-F238E27FC236}">
+                <a16:creationId xmlns:a16="http://schemas.microsoft.com/office/drawing/2014/main" id="{2374BCD9-CAE5-4BC3-AD2C-C423471A1A89}"/>
+              </a:ext>
+            </a:extLst>
+          </p:cNvPr>
+          <p:cNvSpPr/>
+          <p:nvPr/>
+        </p:nvSpPr>
+        <p:spPr>
+          <a:xfrm>
+            <a:off x="979054" y="2509477"/>
+            <a:ext cx="1773382" cy="1256146"/>
+          </a:xfrm>
+          <a:prstGeom prst="roundRect">
+            <a:avLst/>
+          </a:prstGeom>
+        </p:spPr>
+        <p:style>
+          <a:lnRef idx="2">
+            <a:schemeClr val="accent1">
+              <a:shade val="50000"/>
+            </a:schemeClr>
+          </a:lnRef>
+          <a:fillRef idx="1">
+            <a:schemeClr val="accent1"/>
+          </a:fillRef>
+          <a:effectRef idx="0">
+            <a:schemeClr val="accent1"/>
+          </a:effectRef>
+          <a:fontRef idx="minor">
+            <a:schemeClr val="lt1"/>
+          </a:fontRef>
+        </p:style>
+        <p:txBody>
+          <a:bodyPr rtlCol="0" anchor="ctr"/>
+          <a:lstStyle/>
+          <a:p>
+            <a:pPr algn="ctr"/>
+            <a:r>
+              <a:rPr lang="zh-CN" altLang="en-US" dirty="0"/>
+              <a:t>客户端</a:t>
+            </a:r>
+          </a:p>
+        </p:txBody>
+      </p:sp>
+      <p:sp>
+        <p:nvSpPr>
+          <p:cNvPr id="34" name="矩形: 圆角 33">
+            <a:extLst>
+              <a:ext uri="{FF2B5EF4-FFF2-40B4-BE49-F238E27FC236}">
+                <a16:creationId xmlns:a16="http://schemas.microsoft.com/office/drawing/2014/main" id="{61579B11-0014-4225-B972-22E233B6E590}"/>
+              </a:ext>
+            </a:extLst>
+          </p:cNvPr>
+          <p:cNvSpPr/>
+          <p:nvPr/>
+        </p:nvSpPr>
+        <p:spPr>
+          <a:xfrm>
+            <a:off x="5307446" y="2509477"/>
+            <a:ext cx="1745672" cy="1256146"/>
+          </a:xfrm>
+          <a:prstGeom prst="roundRect">
+            <a:avLst/>
+          </a:prstGeom>
+        </p:spPr>
+        <p:style>
+          <a:lnRef idx="2">
+            <a:schemeClr val="accent1">
+              <a:shade val="50000"/>
+            </a:schemeClr>
+          </a:lnRef>
+          <a:fillRef idx="1">
+            <a:schemeClr val="accent1"/>
+          </a:fillRef>
+          <a:effectRef idx="0">
+            <a:schemeClr val="accent1"/>
+          </a:effectRef>
+          <a:fontRef idx="minor">
+            <a:schemeClr val="lt1"/>
+          </a:fontRef>
+        </p:style>
+        <p:txBody>
+          <a:bodyPr rtlCol="0" anchor="ctr"/>
+          <a:lstStyle/>
+          <a:p>
+            <a:pPr algn="ctr"/>
+            <a:r>
+              <a:rPr lang="zh-CN" altLang="en-US" dirty="0"/>
+              <a:t>服务器</a:t>
+            </a:r>
+          </a:p>
+        </p:txBody>
+      </p:sp>
+      <p:sp>
+        <p:nvSpPr>
+          <p:cNvPr id="35" name="矩形: 圆角 34">
+            <a:extLst>
+              <a:ext uri="{FF2B5EF4-FFF2-40B4-BE49-F238E27FC236}">
+                <a16:creationId xmlns:a16="http://schemas.microsoft.com/office/drawing/2014/main" id="{D27A4AD0-084C-4283-8572-04A687F6DE05}"/>
+              </a:ext>
+            </a:extLst>
+          </p:cNvPr>
+          <p:cNvSpPr/>
+          <p:nvPr/>
+        </p:nvSpPr>
+        <p:spPr>
+          <a:xfrm>
+            <a:off x="9707995" y="2509477"/>
+            <a:ext cx="1948873" cy="1274619"/>
+          </a:xfrm>
+          <a:prstGeom prst="roundRect">
+            <a:avLst/>
+          </a:prstGeom>
+        </p:spPr>
+        <p:style>
+          <a:lnRef idx="2">
+            <a:schemeClr val="accent1">
+              <a:shade val="50000"/>
+            </a:schemeClr>
+          </a:lnRef>
+          <a:fillRef idx="1">
+            <a:schemeClr val="accent1"/>
+          </a:fillRef>
+          <a:effectRef idx="0">
+            <a:schemeClr val="accent1"/>
+          </a:effectRef>
+          <a:fontRef idx="minor">
+            <a:schemeClr val="lt1"/>
+          </a:fontRef>
+        </p:style>
+        <p:txBody>
+          <a:bodyPr rtlCol="0" anchor="ctr"/>
+          <a:lstStyle/>
+          <a:p>
+            <a:pPr algn="ctr"/>
+            <a:r>
+              <a:rPr lang="zh-CN" altLang="en-US" dirty="0"/>
+              <a:t>客户端接收数据并展示页面</a:t>
+            </a:r>
+          </a:p>
+        </p:txBody>
+      </p:sp>
+      <p:sp>
+        <p:nvSpPr>
+          <p:cNvPr id="36" name="箭头: 右 35">
+            <a:extLst>
+              <a:ext uri="{FF2B5EF4-FFF2-40B4-BE49-F238E27FC236}">
+                <a16:creationId xmlns:a16="http://schemas.microsoft.com/office/drawing/2014/main" id="{FE208595-62D5-45F8-B772-E81406F07D36}"/>
+              </a:ext>
+            </a:extLst>
+          </p:cNvPr>
+          <p:cNvSpPr/>
+          <p:nvPr/>
+        </p:nvSpPr>
+        <p:spPr>
+          <a:xfrm>
+            <a:off x="2746087" y="2666495"/>
+            <a:ext cx="2567709" cy="942110"/>
+          </a:xfrm>
+          <a:prstGeom prst="rightArrow">
+            <a:avLst/>
+          </a:prstGeom>
+        </p:spPr>
+        <p:style>
+          <a:lnRef idx="2">
+            <a:schemeClr val="accent1">
+              <a:shade val="50000"/>
+            </a:schemeClr>
+          </a:lnRef>
+          <a:fillRef idx="1">
+            <a:schemeClr val="accent1"/>
+          </a:fillRef>
+          <a:effectRef idx="0">
+            <a:schemeClr val="accent1"/>
+          </a:effectRef>
+          <a:fontRef idx="minor">
+            <a:schemeClr val="lt1"/>
+          </a:fontRef>
+        </p:style>
+        <p:txBody>
+          <a:bodyPr rtlCol="0" anchor="ctr"/>
+          <a:lstStyle/>
+          <a:p>
+            <a:pPr algn="ctr"/>
+            <a:r>
+              <a:rPr lang="zh-CN" altLang="en-US" dirty="0"/>
+              <a:t>发送指定目录</a:t>
+            </a:r>
+            <a:r>
+              <a:rPr lang="en-US" altLang="zh-CN" dirty="0" err="1"/>
+              <a:t>url</a:t>
+            </a:r>
+            <a:endParaRPr lang="zh-CN" altLang="en-US" dirty="0"/>
+          </a:p>
+        </p:txBody>
+      </p:sp>
+      <p:sp>
+        <p:nvSpPr>
+          <p:cNvPr id="37" name="箭头: 右 36">
+            <a:extLst>
+              <a:ext uri="{FF2B5EF4-FFF2-40B4-BE49-F238E27FC236}">
+                <a16:creationId xmlns:a16="http://schemas.microsoft.com/office/drawing/2014/main" id="{5E9862BB-0AA5-4AE9-9604-82DFBBC9FD4B}"/>
+              </a:ext>
+            </a:extLst>
+          </p:cNvPr>
+          <p:cNvSpPr/>
+          <p:nvPr/>
+        </p:nvSpPr>
+        <p:spPr>
+          <a:xfrm>
+            <a:off x="7065817" y="2666495"/>
+            <a:ext cx="2678547" cy="1101941"/>
+          </a:xfrm>
+          <a:prstGeom prst="rightArrow">
+            <a:avLst/>
+          </a:prstGeom>
+        </p:spPr>
+        <p:style>
+          <a:lnRef idx="2">
+            <a:schemeClr val="accent1">
+              <a:shade val="50000"/>
+            </a:schemeClr>
+          </a:lnRef>
+          <a:fillRef idx="1">
+            <a:schemeClr val="accent1"/>
+          </a:fillRef>
+          <a:effectRef idx="0">
+            <a:schemeClr val="accent1"/>
+          </a:effectRef>
+          <a:fontRef idx="minor">
+            <a:schemeClr val="lt1"/>
+          </a:fontRef>
+        </p:style>
+        <p:txBody>
+          <a:bodyPr rtlCol="0" anchor="ctr"/>
+          <a:lstStyle/>
+          <a:p>
+            <a:pPr algn="ctr"/>
+            <a:r>
+              <a:rPr lang="zh-CN" altLang="en-US" dirty="0"/>
+              <a:t>接收数据，进行处理，返回处理结果</a:t>
+            </a:r>
+          </a:p>
+        </p:txBody>
+      </p:sp>
+      <p:sp>
+        <p:nvSpPr>
+          <p:cNvPr id="38" name="矩形: 圆角 37">
+            <a:extLst>
+              <a:ext uri="{FF2B5EF4-FFF2-40B4-BE49-F238E27FC236}">
+                <a16:creationId xmlns:a16="http://schemas.microsoft.com/office/drawing/2014/main" id="{99E6BC3C-A7E0-428F-9B9C-9BFABD8196FC}"/>
+              </a:ext>
+            </a:extLst>
+          </p:cNvPr>
+          <p:cNvSpPr/>
+          <p:nvPr/>
+        </p:nvSpPr>
+        <p:spPr>
+          <a:xfrm>
+            <a:off x="1062182" y="4461164"/>
+            <a:ext cx="1690254" cy="1034472"/>
+          </a:xfrm>
+          <a:prstGeom prst="roundRect">
+            <a:avLst/>
+          </a:prstGeom>
+        </p:spPr>
+        <p:style>
+          <a:lnRef idx="2">
+            <a:schemeClr val="accent1">
+              <a:shade val="50000"/>
+            </a:schemeClr>
+          </a:lnRef>
+          <a:fillRef idx="1">
+            <a:schemeClr val="accent1"/>
+          </a:fillRef>
+          <a:effectRef idx="0">
+            <a:schemeClr val="accent1"/>
+          </a:effectRef>
+          <a:fontRef idx="minor">
+            <a:schemeClr val="lt1"/>
+          </a:fontRef>
+        </p:style>
+        <p:txBody>
+          <a:bodyPr rtlCol="0" anchor="ctr"/>
+          <a:lstStyle/>
+          <a:p>
+            <a:pPr algn="ctr"/>
+            <a:r>
+              <a:rPr lang="zh-CN" altLang="en-US" dirty="0"/>
+              <a:t>点击目录</a:t>
+            </a:r>
+            <a:r>
+              <a:rPr lang="en-US" altLang="zh-CN" dirty="0"/>
+              <a:t>list</a:t>
+            </a:r>
+            <a:endParaRPr lang="zh-CN" altLang="en-US" dirty="0"/>
+          </a:p>
+        </p:txBody>
+      </p:sp>
+      <p:sp>
+        <p:nvSpPr>
+          <p:cNvPr id="39" name="箭头: 右 38">
+            <a:extLst>
+              <a:ext uri="{FF2B5EF4-FFF2-40B4-BE49-F238E27FC236}">
+                <a16:creationId xmlns:a16="http://schemas.microsoft.com/office/drawing/2014/main" id="{DEFB53A8-CD05-4610-B9E6-DF0371EEC3F1}"/>
+              </a:ext>
+            </a:extLst>
+          </p:cNvPr>
+          <p:cNvSpPr/>
+          <p:nvPr/>
+        </p:nvSpPr>
+        <p:spPr>
+          <a:xfrm>
+            <a:off x="2746087" y="4719783"/>
+            <a:ext cx="1936749" cy="508000"/>
+          </a:xfrm>
+          <a:prstGeom prst="rightArrow">
+            <a:avLst/>
+          </a:prstGeom>
+        </p:spPr>
+        <p:style>
+          <a:lnRef idx="2">
+            <a:schemeClr val="accent1">
+              <a:shade val="50000"/>
+            </a:schemeClr>
+          </a:lnRef>
+          <a:fillRef idx="1">
+            <a:schemeClr val="accent1"/>
+          </a:fillRef>
+          <a:effectRef idx="0">
+            <a:schemeClr val="accent1"/>
+          </a:effectRef>
+          <a:fontRef idx="minor">
+            <a:schemeClr val="lt1"/>
+          </a:fontRef>
+        </p:style>
+        <p:txBody>
+          <a:bodyPr rtlCol="0" anchor="ctr"/>
+          <a:lstStyle/>
+          <a:p>
+            <a:pPr algn="ctr"/>
+            <a:r>
+              <a:rPr lang="zh-CN" altLang="en-US" dirty="0"/>
+              <a:t>是否为文档</a:t>
+            </a:r>
+          </a:p>
+        </p:txBody>
+      </p:sp>
+      <p:sp>
+        <p:nvSpPr>
+          <p:cNvPr id="41" name="箭头: 右 40">
+            <a:extLst>
+              <a:ext uri="{FF2B5EF4-FFF2-40B4-BE49-F238E27FC236}">
+                <a16:creationId xmlns:a16="http://schemas.microsoft.com/office/drawing/2014/main" id="{043D4CC7-89EB-4D17-B97E-412A8E3B41E8}"/>
+              </a:ext>
+            </a:extLst>
+          </p:cNvPr>
+          <p:cNvSpPr/>
+          <p:nvPr/>
+        </p:nvSpPr>
+        <p:spPr>
+          <a:xfrm>
+            <a:off x="4682836" y="4719783"/>
+            <a:ext cx="1034473" cy="507999"/>
+          </a:xfrm>
+          <a:prstGeom prst="rightArrow">
+            <a:avLst/>
+          </a:prstGeom>
+        </p:spPr>
+        <p:style>
+          <a:lnRef idx="2">
+            <a:schemeClr val="accent1">
+              <a:shade val="50000"/>
+            </a:schemeClr>
+          </a:lnRef>
+          <a:fillRef idx="1">
+            <a:schemeClr val="accent1"/>
+          </a:fillRef>
+          <a:effectRef idx="0">
+            <a:schemeClr val="accent1"/>
+          </a:effectRef>
+          <a:fontRef idx="minor">
+            <a:schemeClr val="lt1"/>
+          </a:fontRef>
+        </p:style>
+        <p:txBody>
+          <a:bodyPr rtlCol="0" anchor="ctr"/>
+          <a:lstStyle/>
+          <a:p>
+            <a:pPr algn="ctr"/>
+            <a:r>
+              <a:rPr lang="zh-CN" altLang="en-US" dirty="0"/>
+              <a:t>是</a:t>
+            </a:r>
+          </a:p>
+        </p:txBody>
+      </p:sp>
+      <p:sp>
+        <p:nvSpPr>
+          <p:cNvPr id="42" name="箭头: 右 41">
+            <a:extLst>
+              <a:ext uri="{FF2B5EF4-FFF2-40B4-BE49-F238E27FC236}">
+                <a16:creationId xmlns:a16="http://schemas.microsoft.com/office/drawing/2014/main" id="{03538447-01A2-4520-A671-789787C623F6}"/>
+              </a:ext>
+            </a:extLst>
+          </p:cNvPr>
+          <p:cNvSpPr/>
+          <p:nvPr/>
+        </p:nvSpPr>
+        <p:spPr>
+          <a:xfrm>
+            <a:off x="5791200" y="4449475"/>
+            <a:ext cx="1607127" cy="1046161"/>
+          </a:xfrm>
+          <a:prstGeom prst="rightArrow">
+            <a:avLst/>
+          </a:prstGeom>
+        </p:spPr>
+        <p:style>
+          <a:lnRef idx="2">
+            <a:schemeClr val="accent1">
+              <a:shade val="50000"/>
+            </a:schemeClr>
+          </a:lnRef>
+          <a:fillRef idx="1">
+            <a:schemeClr val="accent1"/>
+          </a:fillRef>
+          <a:effectRef idx="0">
+            <a:schemeClr val="accent1"/>
+          </a:effectRef>
+          <a:fontRef idx="minor">
+            <a:schemeClr val="lt1"/>
+          </a:fontRef>
+        </p:style>
+        <p:txBody>
+          <a:bodyPr rtlCol="0" anchor="ctr"/>
+          <a:lstStyle/>
+          <a:p>
+            <a:pPr algn="ctr"/>
+            <a:r>
+              <a:rPr lang="zh-CN" altLang="en-US" dirty="0"/>
+              <a:t>传递读文档相关参数</a:t>
+            </a:r>
+          </a:p>
+        </p:txBody>
+      </p:sp>
+      <p:sp>
+        <p:nvSpPr>
+          <p:cNvPr id="43" name="矩形: 圆角 42">
+            <a:extLst>
+              <a:ext uri="{FF2B5EF4-FFF2-40B4-BE49-F238E27FC236}">
+                <a16:creationId xmlns:a16="http://schemas.microsoft.com/office/drawing/2014/main" id="{9ACC75D9-6A8E-4AFE-94CD-53F50F89FDB9}"/>
+              </a:ext>
+            </a:extLst>
+          </p:cNvPr>
+          <p:cNvSpPr/>
+          <p:nvPr/>
+        </p:nvSpPr>
+        <p:spPr>
+          <a:xfrm>
+            <a:off x="7490691" y="4461164"/>
+            <a:ext cx="2217304" cy="886691"/>
+          </a:xfrm>
+          <a:prstGeom prst="roundRect">
+            <a:avLst/>
+          </a:prstGeom>
+        </p:spPr>
+        <p:style>
+          <a:lnRef idx="2">
+            <a:schemeClr val="accent1">
+              <a:shade val="50000"/>
+            </a:schemeClr>
+          </a:lnRef>
+          <a:fillRef idx="1">
+            <a:schemeClr val="accent1"/>
+          </a:fillRef>
+          <a:effectRef idx="0">
+            <a:schemeClr val="accent1"/>
+          </a:effectRef>
+          <a:fontRef idx="minor">
+            <a:schemeClr val="lt1"/>
+          </a:fontRef>
+        </p:style>
+        <p:txBody>
+          <a:bodyPr rtlCol="0" anchor="ctr"/>
+          <a:lstStyle/>
+          <a:p>
+            <a:pPr algn="ctr"/>
+            <a:r>
+              <a:rPr lang="zh-CN" altLang="en-US" dirty="0"/>
+              <a:t>服务器处理，客户端接收并将内容展示在相应区域</a:t>
+            </a:r>
+          </a:p>
+        </p:txBody>
+      </p:sp>
+      <p:sp>
+        <p:nvSpPr>
+          <p:cNvPr id="45" name="箭头: 下 44">
+            <a:extLst>
+              <a:ext uri="{FF2B5EF4-FFF2-40B4-BE49-F238E27FC236}">
+                <a16:creationId xmlns:a16="http://schemas.microsoft.com/office/drawing/2014/main" id="{39EEB724-1556-457A-A460-C8E0ACDBACB5}"/>
+              </a:ext>
+            </a:extLst>
+          </p:cNvPr>
+          <p:cNvSpPr/>
+          <p:nvPr/>
+        </p:nvSpPr>
+        <p:spPr>
+          <a:xfrm>
+            <a:off x="3925455" y="5144655"/>
+            <a:ext cx="434109" cy="1167245"/>
+          </a:xfrm>
+          <a:prstGeom prst="downArrow">
+            <a:avLst/>
+          </a:prstGeom>
+        </p:spPr>
+        <p:style>
+          <a:lnRef idx="2">
+            <a:schemeClr val="accent1">
+              <a:shade val="50000"/>
+            </a:schemeClr>
+          </a:lnRef>
+          <a:fillRef idx="1">
+            <a:schemeClr val="accent1"/>
+          </a:fillRef>
+          <a:effectRef idx="0">
+            <a:schemeClr val="accent1"/>
+          </a:effectRef>
+          <a:fontRef idx="minor">
+            <a:schemeClr val="lt1"/>
+          </a:fontRef>
+        </p:style>
+        <p:txBody>
+          <a:bodyPr rtlCol="0" anchor="ctr"/>
+          <a:lstStyle/>
+          <a:p>
+            <a:pPr algn="ctr"/>
+            <a:r>
+              <a:rPr lang="zh-CN" altLang="en-US" dirty="0"/>
+              <a:t>否</a:t>
+            </a:r>
+          </a:p>
+        </p:txBody>
+      </p:sp>
+      <p:sp>
+        <p:nvSpPr>
+          <p:cNvPr id="47" name="箭头: 右 46">
+            <a:extLst>
+              <a:ext uri="{FF2B5EF4-FFF2-40B4-BE49-F238E27FC236}">
+                <a16:creationId xmlns:a16="http://schemas.microsoft.com/office/drawing/2014/main" id="{BBA0A255-37A4-4E75-BADB-C856140D4F1B}"/>
+              </a:ext>
+            </a:extLst>
+          </p:cNvPr>
+          <p:cNvSpPr/>
+          <p:nvPr/>
+        </p:nvSpPr>
+        <p:spPr>
+          <a:xfrm>
+            <a:off x="4359564" y="5689600"/>
+            <a:ext cx="1431636" cy="1328233"/>
+          </a:xfrm>
+          <a:prstGeom prst="rightArrow">
+            <a:avLst/>
+          </a:prstGeom>
+        </p:spPr>
+        <p:style>
+          <a:lnRef idx="2">
+            <a:schemeClr val="accent1">
+              <a:shade val="50000"/>
+            </a:schemeClr>
+          </a:lnRef>
+          <a:fillRef idx="1">
+            <a:schemeClr val="accent1"/>
+          </a:fillRef>
+          <a:effectRef idx="0">
+            <a:schemeClr val="accent1"/>
+          </a:effectRef>
+          <a:fontRef idx="minor">
+            <a:schemeClr val="lt1"/>
+          </a:fontRef>
+        </p:style>
+        <p:txBody>
+          <a:bodyPr rtlCol="0" anchor="ctr"/>
+          <a:lstStyle/>
+          <a:p>
+            <a:pPr algn="ctr"/>
+            <a:r>
+              <a:rPr lang="zh-CN" altLang="en-US" dirty="0"/>
+              <a:t>传递当前目录参数</a:t>
+            </a:r>
+          </a:p>
+        </p:txBody>
+      </p:sp>
+      <p:sp>
+        <p:nvSpPr>
+          <p:cNvPr id="48" name="矩形: 圆角 47">
+            <a:extLst>
+              <a:ext uri="{FF2B5EF4-FFF2-40B4-BE49-F238E27FC236}">
+                <a16:creationId xmlns:a16="http://schemas.microsoft.com/office/drawing/2014/main" id="{F96D9824-F243-48F5-AD20-738FA5D6ACC0}"/>
+              </a:ext>
+            </a:extLst>
+          </p:cNvPr>
+          <p:cNvSpPr/>
+          <p:nvPr/>
+        </p:nvSpPr>
+        <p:spPr>
+          <a:xfrm>
+            <a:off x="5938982" y="5846618"/>
+            <a:ext cx="3565236" cy="858982"/>
+          </a:xfrm>
+          <a:prstGeom prst="roundRect">
+            <a:avLst/>
+          </a:prstGeom>
+        </p:spPr>
+        <p:style>
+          <a:lnRef idx="2">
+            <a:schemeClr val="accent1">
+              <a:shade val="50000"/>
+            </a:schemeClr>
+          </a:lnRef>
+          <a:fillRef idx="1">
+            <a:schemeClr val="accent1"/>
+          </a:fillRef>
+          <a:effectRef idx="0">
+            <a:schemeClr val="accent1"/>
+          </a:effectRef>
+          <a:fontRef idx="minor">
+            <a:schemeClr val="lt1"/>
+          </a:fontRef>
+        </p:style>
+        <p:txBody>
+          <a:bodyPr rtlCol="0" anchor="ctr"/>
+          <a:lstStyle/>
+          <a:p>
+            <a:pPr algn="ctr"/>
+            <a:r>
+              <a:rPr lang="zh-CN" altLang="en-US" dirty="0"/>
+              <a:t>服务器接收处理数据，客户端接收服务器处理后的数据，对列表进行刷新，进入下一目录</a:t>
+            </a:r>
+          </a:p>
+        </p:txBody>
+      </p:sp>
+    </p:spTree>
+    <p:extLst>
+      <p:ext uri="{BB962C8B-B14F-4D97-AF65-F5344CB8AC3E}">
+        <p14:creationId xmlns:p14="http://schemas.microsoft.com/office/powerpoint/2010/main" val="1262073336"/>
+      </p:ext>
+    </p:extLst>
+  </p:cSld>
+  <p:clrMapOvr>
+    <a:masterClrMapping/>
+  </p:clrMapOvr>
+</p:sld>
+</file>
+
+<file path=ppt/slides/slide8.xml><?xml version="1.0" encoding="utf-8"?>
+<p:sld xmlns:a="http://schemas.openxmlformats.org/drawingml/2006/main" xmlns:r="http://schemas.openxmlformats.org/officeDocument/2006/relationships" xmlns:p="http://schemas.openxmlformats.org/presentationml/2006/main">
+  <p:cSld>
+    <p:spTree>
+      <p:nvGrpSpPr>
+        <p:cNvPr id="1" name=""/>
+        <p:cNvGrpSpPr/>
+        <p:nvPr/>
+      </p:nvGrpSpPr>
+      <p:grpSpPr>
+        <a:xfrm>
+          <a:off x="0" y="0"/>
+          <a:ext cx="0" cy="0"/>
+          <a:chOff x="0" y="0"/>
+          <a:chExt cx="0" cy="0"/>
+        </a:xfrm>
+      </p:grpSpPr>
+      <p:sp>
+        <p:nvSpPr>
+          <p:cNvPr id="2" name="标题 1">
+            <a:extLst>
+              <a:ext uri="{FF2B5EF4-FFF2-40B4-BE49-F238E27FC236}">
+                <a16:creationId xmlns:a16="http://schemas.microsoft.com/office/drawing/2014/main" id="{9B725EB4-9AA1-4210-8ACD-A653611CFFA9}"/>
+              </a:ext>
+            </a:extLst>
+          </p:cNvPr>
+          <p:cNvSpPr>
+            <a:spLocks noGrp="1"/>
+          </p:cNvSpPr>
+          <p:nvPr>
+            <p:ph type="title"/>
+          </p:nvPr>
+        </p:nvSpPr>
+        <p:spPr/>
+        <p:txBody>
+          <a:bodyPr>
+            <a:normAutofit/>
+          </a:bodyPr>
+          <a:lstStyle/>
+          <a:p>
+            <a:r>
+              <a:rPr lang="zh-CN" altLang="en-US" sz="3200" dirty="0"/>
+              <a:t>系统详细设计</a:t>
+            </a:r>
+          </a:p>
+        </p:txBody>
+      </p:sp>
+      <p:sp>
+        <p:nvSpPr>
+          <p:cNvPr id="3" name="内容占位符 2">
+            <a:extLst>
+              <a:ext uri="{FF2B5EF4-FFF2-40B4-BE49-F238E27FC236}">
+                <a16:creationId xmlns:a16="http://schemas.microsoft.com/office/drawing/2014/main" id="{8F3D1673-76A1-4067-80B5-E08C1524CFD8}"/>
+              </a:ext>
+            </a:extLst>
+          </p:cNvPr>
+          <p:cNvSpPr>
+            <a:spLocks noGrp="1"/>
+          </p:cNvSpPr>
+          <p:nvPr>
+            <p:ph idx="1"/>
+          </p:nvPr>
+        </p:nvSpPr>
+        <p:spPr/>
+        <p:txBody>
+          <a:bodyPr/>
+          <a:lstStyle/>
+          <a:p>
+            <a:r>
+              <a:rPr lang="zh-CN" altLang="en-US" dirty="0"/>
+              <a:t>文档编辑保存</a:t>
+            </a:r>
+            <a:endParaRPr lang="en-US" altLang="zh-CN" dirty="0"/>
+          </a:p>
+          <a:p>
+            <a:endParaRPr lang="en-US" altLang="zh-CN" dirty="0"/>
+          </a:p>
+          <a:p>
+            <a:endParaRPr lang="en-US" altLang="zh-CN" dirty="0"/>
+          </a:p>
+          <a:p>
+            <a:r>
+              <a:rPr lang="zh-CN" altLang="en-US" dirty="0"/>
+              <a:t>文档删除下载</a:t>
+            </a:r>
+            <a:endParaRPr lang="en-US" altLang="zh-CN" dirty="0"/>
+          </a:p>
+          <a:p>
+            <a:endParaRPr lang="zh-CN" altLang="en-US" dirty="0"/>
+          </a:p>
+        </p:txBody>
+      </p:sp>
+      <p:sp>
+        <p:nvSpPr>
+          <p:cNvPr id="4" name="矩形: 圆角 3">
+            <a:extLst>
+              <a:ext uri="{FF2B5EF4-FFF2-40B4-BE49-F238E27FC236}">
+                <a16:creationId xmlns:a16="http://schemas.microsoft.com/office/drawing/2014/main" id="{142E4EA0-EB64-41AF-B172-99418196441A}"/>
+              </a:ext>
+            </a:extLst>
+          </p:cNvPr>
+          <p:cNvSpPr/>
+          <p:nvPr/>
+        </p:nvSpPr>
+        <p:spPr>
+          <a:xfrm>
+            <a:off x="1108364" y="2429164"/>
+            <a:ext cx="1671781" cy="849745"/>
+          </a:xfrm>
+          <a:prstGeom prst="roundRect">
+            <a:avLst/>
+          </a:prstGeom>
+        </p:spPr>
+        <p:style>
+          <a:lnRef idx="2">
+            <a:schemeClr val="accent1">
+              <a:shade val="50000"/>
+            </a:schemeClr>
+          </a:lnRef>
+          <a:fillRef idx="1">
+            <a:schemeClr val="accent1"/>
+          </a:fillRef>
+          <a:effectRef idx="0">
+            <a:schemeClr val="accent1"/>
+          </a:effectRef>
+          <a:fontRef idx="minor">
+            <a:schemeClr val="lt1"/>
+          </a:fontRef>
+        </p:style>
+        <p:txBody>
+          <a:bodyPr rtlCol="0" anchor="ctr"/>
+          <a:lstStyle/>
+          <a:p>
+            <a:pPr algn="ctr"/>
+            <a:r>
+              <a:rPr lang="zh-CN" altLang="en-US" dirty="0"/>
+              <a:t>客户端编辑文档内容，点击保存按钮</a:t>
+            </a:r>
+          </a:p>
+        </p:txBody>
+      </p:sp>
+      <p:sp>
+        <p:nvSpPr>
+          <p:cNvPr id="5" name="箭头: 右 4">
+            <a:extLst>
+              <a:ext uri="{FF2B5EF4-FFF2-40B4-BE49-F238E27FC236}">
+                <a16:creationId xmlns:a16="http://schemas.microsoft.com/office/drawing/2014/main" id="{872C412B-EF24-44EF-B4DF-D2E20D73A932}"/>
+              </a:ext>
+            </a:extLst>
+          </p:cNvPr>
+          <p:cNvSpPr/>
+          <p:nvPr/>
+        </p:nvSpPr>
+        <p:spPr>
+          <a:xfrm>
+            <a:off x="2780145" y="2500420"/>
+            <a:ext cx="1911928" cy="707231"/>
+          </a:xfrm>
+          <a:prstGeom prst="rightArrow">
+            <a:avLst/>
+          </a:prstGeom>
+        </p:spPr>
+        <p:style>
+          <a:lnRef idx="2">
+            <a:schemeClr val="accent1">
+              <a:shade val="50000"/>
+            </a:schemeClr>
+          </a:lnRef>
+          <a:fillRef idx="1">
+            <a:schemeClr val="accent1"/>
+          </a:fillRef>
+          <a:effectRef idx="0">
+            <a:schemeClr val="accent1"/>
+          </a:effectRef>
+          <a:fontRef idx="minor">
+            <a:schemeClr val="lt1"/>
+          </a:fontRef>
+        </p:style>
+        <p:txBody>
+          <a:bodyPr rtlCol="0" anchor="ctr"/>
+          <a:lstStyle/>
+          <a:p>
+            <a:pPr algn="ctr"/>
+            <a:r>
+              <a:rPr lang="zh-CN" altLang="en-US" dirty="0"/>
+              <a:t>传递内容参数</a:t>
+            </a:r>
+          </a:p>
+        </p:txBody>
+      </p:sp>
+      <p:sp>
+        <p:nvSpPr>
+          <p:cNvPr id="6" name="矩形: 圆角 5">
+            <a:extLst>
+              <a:ext uri="{FF2B5EF4-FFF2-40B4-BE49-F238E27FC236}">
+                <a16:creationId xmlns:a16="http://schemas.microsoft.com/office/drawing/2014/main" id="{D222AA0C-9B39-436A-ADC5-A2A87441281C}"/>
+              </a:ext>
+            </a:extLst>
+          </p:cNvPr>
+          <p:cNvSpPr/>
+          <p:nvPr/>
+        </p:nvSpPr>
+        <p:spPr>
+          <a:xfrm>
+            <a:off x="4692072" y="2429164"/>
+            <a:ext cx="1671782" cy="849745"/>
+          </a:xfrm>
+          <a:prstGeom prst="roundRect">
+            <a:avLst/>
+          </a:prstGeom>
+        </p:spPr>
+        <p:style>
+          <a:lnRef idx="2">
+            <a:schemeClr val="accent1">
+              <a:shade val="50000"/>
+            </a:schemeClr>
+          </a:lnRef>
+          <a:fillRef idx="1">
+            <a:schemeClr val="accent1"/>
+          </a:fillRef>
+          <a:effectRef idx="0">
+            <a:schemeClr val="accent1"/>
+          </a:effectRef>
+          <a:fontRef idx="minor">
+            <a:schemeClr val="lt1"/>
+          </a:fontRef>
+        </p:style>
+        <p:txBody>
+          <a:bodyPr rtlCol="0" anchor="ctr"/>
+          <a:lstStyle/>
+          <a:p>
+            <a:pPr algn="ctr"/>
+            <a:r>
+              <a:rPr lang="zh-CN" altLang="en-US" dirty="0"/>
+              <a:t>服务器处理并对相应文档写入参数</a:t>
+            </a:r>
+          </a:p>
+        </p:txBody>
+      </p:sp>
+      <p:sp>
+        <p:nvSpPr>
+          <p:cNvPr id="7" name="箭头: 右 6">
+            <a:extLst>
+              <a:ext uri="{FF2B5EF4-FFF2-40B4-BE49-F238E27FC236}">
+                <a16:creationId xmlns:a16="http://schemas.microsoft.com/office/drawing/2014/main" id="{35F9C38E-5D40-4691-A5D4-B44B48051010}"/>
+              </a:ext>
+            </a:extLst>
+          </p:cNvPr>
+          <p:cNvSpPr/>
+          <p:nvPr/>
+        </p:nvSpPr>
+        <p:spPr>
+          <a:xfrm>
+            <a:off x="6363854" y="2429164"/>
+            <a:ext cx="2032001" cy="984681"/>
+          </a:xfrm>
+          <a:prstGeom prst="rightArrow">
+            <a:avLst/>
+          </a:prstGeom>
+        </p:spPr>
+        <p:style>
+          <a:lnRef idx="2">
+            <a:schemeClr val="accent1">
+              <a:shade val="50000"/>
+            </a:schemeClr>
+          </a:lnRef>
+          <a:fillRef idx="1">
+            <a:schemeClr val="accent1"/>
+          </a:fillRef>
+          <a:effectRef idx="0">
+            <a:schemeClr val="accent1"/>
+          </a:effectRef>
+          <a:fontRef idx="minor">
+            <a:schemeClr val="lt1"/>
+          </a:fontRef>
+        </p:style>
+        <p:txBody>
+          <a:bodyPr rtlCol="0" anchor="ctr"/>
+          <a:lstStyle/>
+          <a:p>
+            <a:pPr algn="ctr"/>
+            <a:r>
+              <a:rPr lang="zh-CN" altLang="en-US" dirty="0"/>
+              <a:t>传递保存成功参数</a:t>
+            </a:r>
+          </a:p>
+        </p:txBody>
+      </p:sp>
+      <p:sp>
+        <p:nvSpPr>
+          <p:cNvPr id="8" name="矩形: 圆角 7">
+            <a:extLst>
+              <a:ext uri="{FF2B5EF4-FFF2-40B4-BE49-F238E27FC236}">
+                <a16:creationId xmlns:a16="http://schemas.microsoft.com/office/drawing/2014/main" id="{7F0D02CA-8C32-4747-B5F9-1234BD4A1EA1}"/>
+              </a:ext>
+            </a:extLst>
+          </p:cNvPr>
+          <p:cNvSpPr/>
+          <p:nvPr/>
+        </p:nvSpPr>
+        <p:spPr>
+          <a:xfrm>
+            <a:off x="8395855" y="2429164"/>
+            <a:ext cx="1662545" cy="849745"/>
+          </a:xfrm>
+          <a:prstGeom prst="roundRect">
+            <a:avLst/>
+          </a:prstGeom>
+        </p:spPr>
+        <p:style>
+          <a:lnRef idx="2">
+            <a:schemeClr val="accent1">
+              <a:shade val="50000"/>
+            </a:schemeClr>
+          </a:lnRef>
+          <a:fillRef idx="1">
+            <a:schemeClr val="accent1"/>
+          </a:fillRef>
+          <a:effectRef idx="0">
+            <a:schemeClr val="accent1"/>
+          </a:effectRef>
+          <a:fontRef idx="minor">
+            <a:schemeClr val="lt1"/>
+          </a:fontRef>
+        </p:style>
+        <p:txBody>
+          <a:bodyPr rtlCol="0" anchor="ctr"/>
+          <a:lstStyle/>
+          <a:p>
+            <a:pPr algn="ctr"/>
+            <a:r>
+              <a:rPr lang="zh-CN" altLang="en-US" dirty="0"/>
+              <a:t>客户端确认，显示提示信息</a:t>
+            </a:r>
+          </a:p>
+        </p:txBody>
+      </p:sp>
+      <p:sp>
+        <p:nvSpPr>
+          <p:cNvPr id="9" name="矩形: 圆角 8">
+            <a:extLst>
+              <a:ext uri="{FF2B5EF4-FFF2-40B4-BE49-F238E27FC236}">
+                <a16:creationId xmlns:a16="http://schemas.microsoft.com/office/drawing/2014/main" id="{5907C293-B5F0-433E-96F9-DF251A671ED0}"/>
+              </a:ext>
+            </a:extLst>
+          </p:cNvPr>
+          <p:cNvSpPr/>
+          <p:nvPr/>
+        </p:nvSpPr>
+        <p:spPr>
+          <a:xfrm>
+            <a:off x="1108364" y="4001294"/>
+            <a:ext cx="1671781" cy="849745"/>
+          </a:xfrm>
+          <a:prstGeom prst="roundRect">
+            <a:avLst/>
+          </a:prstGeom>
+        </p:spPr>
+        <p:style>
+          <a:lnRef idx="2">
+            <a:schemeClr val="accent1">
+              <a:shade val="50000"/>
+            </a:schemeClr>
+          </a:lnRef>
+          <a:fillRef idx="1">
+            <a:schemeClr val="accent1"/>
+          </a:fillRef>
+          <a:effectRef idx="0">
+            <a:schemeClr val="accent1"/>
+          </a:effectRef>
+          <a:fontRef idx="minor">
+            <a:schemeClr val="lt1"/>
+          </a:fontRef>
+        </p:style>
+        <p:txBody>
+          <a:bodyPr rtlCol="0" anchor="ctr"/>
+          <a:lstStyle/>
+          <a:p>
+            <a:pPr algn="ctr"/>
+            <a:r>
+              <a:rPr lang="zh-CN" altLang="en-US" dirty="0"/>
+              <a:t>客户端点击删除或下载按钮</a:t>
+            </a:r>
+          </a:p>
+        </p:txBody>
+      </p:sp>
+      <p:sp>
+        <p:nvSpPr>
+          <p:cNvPr id="10" name="箭头: 右 9">
+            <a:extLst>
+              <a:ext uri="{FF2B5EF4-FFF2-40B4-BE49-F238E27FC236}">
+                <a16:creationId xmlns:a16="http://schemas.microsoft.com/office/drawing/2014/main" id="{5534BF7B-16C3-495F-B413-C84D30B020AB}"/>
+              </a:ext>
+            </a:extLst>
+          </p:cNvPr>
+          <p:cNvSpPr/>
+          <p:nvPr/>
+        </p:nvSpPr>
+        <p:spPr>
+          <a:xfrm>
+            <a:off x="2780144" y="4072550"/>
+            <a:ext cx="1911928" cy="707231"/>
+          </a:xfrm>
+          <a:prstGeom prst="rightArrow">
+            <a:avLst/>
+          </a:prstGeom>
+        </p:spPr>
+        <p:style>
+          <a:lnRef idx="2">
+            <a:schemeClr val="accent1">
+              <a:shade val="50000"/>
+            </a:schemeClr>
+          </a:lnRef>
+          <a:fillRef idx="1">
+            <a:schemeClr val="accent1"/>
+          </a:fillRef>
+          <a:effectRef idx="0">
+            <a:schemeClr val="accent1"/>
+          </a:effectRef>
+          <a:fontRef idx="minor">
+            <a:schemeClr val="lt1"/>
+          </a:fontRef>
+        </p:style>
+        <p:txBody>
+          <a:bodyPr rtlCol="0" anchor="ctr"/>
+          <a:lstStyle/>
+          <a:p>
+            <a:pPr algn="ctr"/>
+            <a:r>
+              <a:rPr lang="zh-CN" altLang="en-US" dirty="0"/>
+              <a:t>传递参数</a:t>
+            </a:r>
+          </a:p>
+        </p:txBody>
+      </p:sp>
+      <p:sp>
+        <p:nvSpPr>
+          <p:cNvPr id="12" name="矩形: 圆角 11">
+            <a:extLst>
+              <a:ext uri="{FF2B5EF4-FFF2-40B4-BE49-F238E27FC236}">
+                <a16:creationId xmlns:a16="http://schemas.microsoft.com/office/drawing/2014/main" id="{12D0747B-AC4D-40DC-893F-8BFCD711507D}"/>
+              </a:ext>
+            </a:extLst>
+          </p:cNvPr>
+          <p:cNvSpPr/>
+          <p:nvPr/>
+        </p:nvSpPr>
+        <p:spPr>
+          <a:xfrm>
+            <a:off x="4659744" y="4000951"/>
+            <a:ext cx="1671782" cy="849745"/>
+          </a:xfrm>
+          <a:prstGeom prst="roundRect">
+            <a:avLst/>
+          </a:prstGeom>
+        </p:spPr>
+        <p:style>
+          <a:lnRef idx="2">
+            <a:schemeClr val="accent1">
+              <a:shade val="50000"/>
+            </a:schemeClr>
+          </a:lnRef>
+          <a:fillRef idx="1">
+            <a:schemeClr val="accent1"/>
+          </a:fillRef>
+          <a:effectRef idx="0">
+            <a:schemeClr val="accent1"/>
+          </a:effectRef>
+          <a:fontRef idx="minor">
+            <a:schemeClr val="lt1"/>
+          </a:fontRef>
+        </p:style>
+        <p:txBody>
+          <a:bodyPr rtlCol="0" anchor="ctr"/>
+          <a:lstStyle/>
+          <a:p>
+            <a:pPr algn="ctr"/>
+            <a:r>
+              <a:rPr lang="zh-CN" altLang="en-US" dirty="0"/>
+              <a:t>服务器根据参数判断</a:t>
+            </a:r>
+          </a:p>
+        </p:txBody>
+      </p:sp>
+      <p:sp>
+        <p:nvSpPr>
+          <p:cNvPr id="13" name="箭头: 右 12">
+            <a:extLst>
+              <a:ext uri="{FF2B5EF4-FFF2-40B4-BE49-F238E27FC236}">
+                <a16:creationId xmlns:a16="http://schemas.microsoft.com/office/drawing/2014/main" id="{5E81E93C-D0B2-49B4-A3D5-F18E2EA2C5F5}"/>
+              </a:ext>
+            </a:extLst>
+          </p:cNvPr>
+          <p:cNvSpPr/>
+          <p:nvPr/>
+        </p:nvSpPr>
+        <p:spPr>
+          <a:xfrm>
+            <a:off x="6331526" y="4135887"/>
+            <a:ext cx="1911928" cy="707231"/>
+          </a:xfrm>
+          <a:prstGeom prst="rightArrow">
+            <a:avLst/>
+          </a:prstGeom>
+        </p:spPr>
+        <p:style>
+          <a:lnRef idx="2">
+            <a:schemeClr val="accent1">
+              <a:shade val="50000"/>
+            </a:schemeClr>
+          </a:lnRef>
+          <a:fillRef idx="1">
+            <a:schemeClr val="accent1"/>
+          </a:fillRef>
+          <a:effectRef idx="0">
+            <a:schemeClr val="accent1"/>
+          </a:effectRef>
+          <a:fontRef idx="minor">
+            <a:schemeClr val="lt1"/>
+          </a:fontRef>
+        </p:style>
+        <p:txBody>
+          <a:bodyPr rtlCol="0" anchor="ctr"/>
+          <a:lstStyle/>
+          <a:p>
+            <a:pPr algn="ctr"/>
+            <a:r>
+              <a:rPr lang="zh-CN" altLang="en-US" dirty="0"/>
+              <a:t>删除</a:t>
+            </a:r>
+          </a:p>
+        </p:txBody>
+      </p:sp>
+      <p:sp>
+        <p:nvSpPr>
+          <p:cNvPr id="14" name="矩形: 圆角 13">
+            <a:extLst>
+              <a:ext uri="{FF2B5EF4-FFF2-40B4-BE49-F238E27FC236}">
+                <a16:creationId xmlns:a16="http://schemas.microsoft.com/office/drawing/2014/main" id="{4D4D8FF4-0738-4D00-8C5F-D3C7DABAF845}"/>
+              </a:ext>
+            </a:extLst>
+          </p:cNvPr>
+          <p:cNvSpPr/>
+          <p:nvPr/>
+        </p:nvSpPr>
+        <p:spPr>
+          <a:xfrm>
+            <a:off x="8243454" y="4000951"/>
+            <a:ext cx="1814946" cy="842167"/>
+          </a:xfrm>
+          <a:prstGeom prst="roundRect">
+            <a:avLst/>
+          </a:prstGeom>
+        </p:spPr>
+        <p:style>
+          <a:lnRef idx="2">
+            <a:schemeClr val="accent1">
+              <a:shade val="50000"/>
+            </a:schemeClr>
+          </a:lnRef>
+          <a:fillRef idx="1">
+            <a:schemeClr val="accent1"/>
+          </a:fillRef>
+          <a:effectRef idx="0">
+            <a:schemeClr val="accent1"/>
+          </a:effectRef>
+          <a:fontRef idx="minor">
+            <a:schemeClr val="lt1"/>
+          </a:fontRef>
+        </p:style>
+        <p:txBody>
+          <a:bodyPr rtlCol="0" anchor="ctr"/>
+          <a:lstStyle/>
+          <a:p>
+            <a:pPr algn="ctr"/>
+            <a:r>
+              <a:rPr lang="zh-CN" altLang="en-US" dirty="0"/>
+              <a:t>客户端接收删除成功信息，刷新左侧列表</a:t>
+            </a:r>
+          </a:p>
+        </p:txBody>
+      </p:sp>
+      <p:sp>
+        <p:nvSpPr>
+          <p:cNvPr id="15" name="箭头: 下 14">
+            <a:extLst>
+              <a:ext uri="{FF2B5EF4-FFF2-40B4-BE49-F238E27FC236}">
+                <a16:creationId xmlns:a16="http://schemas.microsoft.com/office/drawing/2014/main" id="{5F5E8BA7-623E-4253-9B8A-0E8BE9650039}"/>
+              </a:ext>
+            </a:extLst>
+          </p:cNvPr>
+          <p:cNvSpPr/>
+          <p:nvPr/>
+        </p:nvSpPr>
+        <p:spPr>
+          <a:xfrm>
+            <a:off x="5527963" y="4959927"/>
+            <a:ext cx="631536" cy="831273"/>
+          </a:xfrm>
+          <a:prstGeom prst="downArrow">
+            <a:avLst/>
+          </a:prstGeom>
+        </p:spPr>
+        <p:style>
+          <a:lnRef idx="2">
+            <a:schemeClr val="accent1">
+              <a:shade val="50000"/>
+            </a:schemeClr>
+          </a:lnRef>
+          <a:fillRef idx="1">
+            <a:schemeClr val="accent1"/>
+          </a:fillRef>
+          <a:effectRef idx="0">
+            <a:schemeClr val="accent1"/>
+          </a:effectRef>
+          <a:fontRef idx="minor">
+            <a:schemeClr val="lt1"/>
+          </a:fontRef>
+        </p:style>
+        <p:txBody>
+          <a:bodyPr rtlCol="0" anchor="ctr"/>
+          <a:lstStyle/>
+          <a:p>
+            <a:pPr algn="ctr"/>
+            <a:r>
+              <a:rPr lang="zh-CN" altLang="en-US" dirty="0"/>
+              <a:t>下载</a:t>
+            </a:r>
+          </a:p>
+        </p:txBody>
+      </p:sp>
+      <p:sp>
+        <p:nvSpPr>
+          <p:cNvPr id="17" name="矩形: 圆角 16">
+            <a:extLst>
+              <a:ext uri="{FF2B5EF4-FFF2-40B4-BE49-F238E27FC236}">
+                <a16:creationId xmlns:a16="http://schemas.microsoft.com/office/drawing/2014/main" id="{BD3A7A29-7842-4FA3-927D-E3A05B9F4D73}"/>
+              </a:ext>
+            </a:extLst>
+          </p:cNvPr>
+          <p:cNvSpPr/>
+          <p:nvPr/>
+        </p:nvSpPr>
+        <p:spPr>
+          <a:xfrm>
+            <a:off x="4936258" y="5823348"/>
+            <a:ext cx="1814946" cy="842167"/>
+          </a:xfrm>
+          <a:prstGeom prst="roundRect">
+            <a:avLst/>
+          </a:prstGeom>
+        </p:spPr>
+        <p:style>
+          <a:lnRef idx="2">
+            <a:schemeClr val="accent1">
+              <a:shade val="50000"/>
+            </a:schemeClr>
+          </a:lnRef>
+          <a:fillRef idx="1">
+            <a:schemeClr val="accent1"/>
+          </a:fillRef>
+          <a:effectRef idx="0">
+            <a:schemeClr val="accent1"/>
+          </a:effectRef>
+          <a:fontRef idx="minor">
+            <a:schemeClr val="lt1"/>
+          </a:fontRef>
+        </p:style>
+        <p:txBody>
+          <a:bodyPr rtlCol="0" anchor="ctr"/>
+          <a:lstStyle/>
+          <a:p>
+            <a:pPr algn="ctr"/>
+            <a:r>
+              <a:rPr lang="zh-CN" altLang="en-US" dirty="0"/>
+              <a:t>下载文档到系统指定目录</a:t>
+            </a:r>
+          </a:p>
+        </p:txBody>
+      </p:sp>
+    </p:spTree>
+    <p:extLst>
+      <p:ext uri="{BB962C8B-B14F-4D97-AF65-F5344CB8AC3E}">
+        <p14:creationId xmlns:p14="http://schemas.microsoft.com/office/powerpoint/2010/main" val="2345764551"/>
+      </p:ext>
+    </p:extLst>
+  </p:cSld>
+  <p:clrMapOvr>
+    <a:masterClrMapping/>
+  </p:clrMapOvr>
+</p:sld>
+</file>
+
 <file path=ppt/theme/theme1.xml><?xml version="1.0" encoding="utf-8"?>
 <a:theme xmlns:a="http://schemas.openxmlformats.org/drawingml/2006/main" name="Office 主题​​">
   <a:themeElements>
